--- a/Documentacion/presetnacion.pptx
+++ b/Documentacion/presetnacion.pptx
@@ -9,11 +9,10 @@
     <p:sldId id="257" r:id="rId3"/>
     <p:sldId id="260" r:id="rId4"/>
     <p:sldId id="261" r:id="rId5"/>
-    <p:sldId id="264" r:id="rId6"/>
-    <p:sldId id="262" r:id="rId7"/>
-    <p:sldId id="263" r:id="rId8"/>
-    <p:sldId id="258" r:id="rId9"/>
-    <p:sldId id="259" r:id="rId10"/>
+    <p:sldId id="262" r:id="rId6"/>
+    <p:sldId id="263" r:id="rId7"/>
+    <p:sldId id="258" r:id="rId8"/>
+    <p:sldId id="259" r:id="rId9"/>
   </p:sldIdLst>
   <p:sldSz cx="12192000" cy="6858000"/>
   <p:notesSz cx="6858000" cy="9144000"/>
@@ -112,6 +111,11 @@
       </a:defRPr>
     </a:lvl9pPr>
   </p:defaultTextStyle>
+  <p:extLst>
+    <p:ext uri="{EFAFB233-063F-42B5-8137-9DF3F51BA10A}">
+      <p15:sldGuideLst xmlns:p15="http://schemas.microsoft.com/office/powerpoint/2012/main"/>
+    </p:ext>
+  </p:extLst>
 </p:presentation>
 </file>
 
@@ -157,10 +161,9 @@
           </a:lstStyle>
           <a:p>
             <a:r>
-              <a:rPr lang="en-US" smtClean="0"/>
+              <a:rPr lang="en-US"/>
               <a:t>Click to edit Master title style</a:t>
             </a:r>
-            <a:endParaRPr lang="en-US"/>
           </a:p>
         </p:txBody>
       </p:sp>
@@ -222,10 +225,9 @@
           </a:lstStyle>
           <a:p>
             <a:r>
-              <a:rPr lang="en-US" smtClean="0"/>
+              <a:rPr lang="en-US"/>
               <a:t>Click to edit Master subtitle style</a:t>
             </a:r>
-            <a:endParaRPr lang="en-US"/>
           </a:p>
         </p:txBody>
       </p:sp>
@@ -246,7 +248,7 @@
           <a:p>
             <a:fld id="{1CF616E0-08AE-C749-BAF5-2D5EE30B7A15}" type="datetimeFigureOut">
               <a:rPr lang="en-US" smtClean="0"/>
-              <a:t>5/4/18</a:t>
+              <a:t>5/18/18</a:t>
             </a:fld>
             <a:endParaRPr lang="en-US"/>
           </a:p>
@@ -340,10 +342,9 @@
           <a:lstStyle/>
           <a:p>
             <a:r>
-              <a:rPr lang="en-US" smtClean="0"/>
+              <a:rPr lang="en-US"/>
               <a:t>Click to edit Master title style</a:t>
             </a:r>
-            <a:endParaRPr lang="en-US"/>
           </a:p>
         </p:txBody>
       </p:sp>
@@ -364,38 +365,37 @@
           <a:p>
             <a:pPr lvl="0"/>
             <a:r>
-              <a:rPr lang="en-US" smtClean="0"/>
+              <a:rPr lang="en-US"/>
               <a:t>Click to edit Master text styles</a:t>
             </a:r>
           </a:p>
           <a:p>
             <a:pPr lvl="1"/>
             <a:r>
-              <a:rPr lang="en-US" smtClean="0"/>
+              <a:rPr lang="en-US"/>
               <a:t>Second level</a:t>
             </a:r>
           </a:p>
           <a:p>
             <a:pPr lvl="2"/>
             <a:r>
-              <a:rPr lang="en-US" smtClean="0"/>
+              <a:rPr lang="en-US"/>
               <a:t>Third level</a:t>
             </a:r>
           </a:p>
           <a:p>
             <a:pPr lvl="3"/>
             <a:r>
-              <a:rPr lang="en-US" smtClean="0"/>
+              <a:rPr lang="en-US"/>
               <a:t>Fourth level</a:t>
             </a:r>
           </a:p>
           <a:p>
             <a:pPr lvl="4"/>
             <a:r>
-              <a:rPr lang="en-US" smtClean="0"/>
+              <a:rPr lang="en-US"/>
               <a:t>Fifth level</a:t>
             </a:r>
-            <a:endParaRPr lang="en-US"/>
           </a:p>
         </p:txBody>
       </p:sp>
@@ -416,7 +416,7 @@
           <a:p>
             <a:fld id="{1CF616E0-08AE-C749-BAF5-2D5EE30B7A15}" type="datetimeFigureOut">
               <a:rPr lang="en-US" smtClean="0"/>
-              <a:t>5/4/18</a:t>
+              <a:t>5/18/18</a:t>
             </a:fld>
             <a:endParaRPr lang="en-US"/>
           </a:p>
@@ -515,10 +515,9 @@
           <a:lstStyle/>
           <a:p>
             <a:r>
-              <a:rPr lang="en-US" smtClean="0"/>
+              <a:rPr lang="en-US"/>
               <a:t>Click to edit Master title style</a:t>
             </a:r>
-            <a:endParaRPr lang="en-US"/>
           </a:p>
         </p:txBody>
       </p:sp>
@@ -544,38 +543,37 @@
           <a:p>
             <a:pPr lvl="0"/>
             <a:r>
-              <a:rPr lang="en-US" smtClean="0"/>
+              <a:rPr lang="en-US"/>
               <a:t>Click to edit Master text styles</a:t>
             </a:r>
           </a:p>
           <a:p>
             <a:pPr lvl="1"/>
             <a:r>
-              <a:rPr lang="en-US" smtClean="0"/>
+              <a:rPr lang="en-US"/>
               <a:t>Second level</a:t>
             </a:r>
           </a:p>
           <a:p>
             <a:pPr lvl="2"/>
             <a:r>
-              <a:rPr lang="en-US" smtClean="0"/>
+              <a:rPr lang="en-US"/>
               <a:t>Third level</a:t>
             </a:r>
           </a:p>
           <a:p>
             <a:pPr lvl="3"/>
             <a:r>
-              <a:rPr lang="en-US" smtClean="0"/>
+              <a:rPr lang="en-US"/>
               <a:t>Fourth level</a:t>
             </a:r>
           </a:p>
           <a:p>
             <a:pPr lvl="4"/>
             <a:r>
-              <a:rPr lang="en-US" smtClean="0"/>
+              <a:rPr lang="en-US"/>
               <a:t>Fifth level</a:t>
             </a:r>
-            <a:endParaRPr lang="en-US"/>
           </a:p>
         </p:txBody>
       </p:sp>
@@ -596,7 +594,7 @@
           <a:p>
             <a:fld id="{1CF616E0-08AE-C749-BAF5-2D5EE30B7A15}" type="datetimeFigureOut">
               <a:rPr lang="en-US" smtClean="0"/>
-              <a:t>5/4/18</a:t>
+              <a:t>5/18/18</a:t>
             </a:fld>
             <a:endParaRPr lang="en-US"/>
           </a:p>
@@ -690,10 +688,9 @@
           <a:lstStyle/>
           <a:p>
             <a:r>
-              <a:rPr lang="en-US" smtClean="0"/>
+              <a:rPr lang="en-US"/>
               <a:t>Click to edit Master title style</a:t>
             </a:r>
-            <a:endParaRPr lang="en-US"/>
           </a:p>
         </p:txBody>
       </p:sp>
@@ -714,38 +711,37 @@
           <a:p>
             <a:pPr lvl="0"/>
             <a:r>
-              <a:rPr lang="en-US" smtClean="0"/>
+              <a:rPr lang="en-US"/>
               <a:t>Click to edit Master text styles</a:t>
             </a:r>
           </a:p>
           <a:p>
             <a:pPr lvl="1"/>
             <a:r>
-              <a:rPr lang="en-US" smtClean="0"/>
+              <a:rPr lang="en-US"/>
               <a:t>Second level</a:t>
             </a:r>
           </a:p>
           <a:p>
             <a:pPr lvl="2"/>
             <a:r>
-              <a:rPr lang="en-US" smtClean="0"/>
+              <a:rPr lang="en-US"/>
               <a:t>Third level</a:t>
             </a:r>
           </a:p>
           <a:p>
             <a:pPr lvl="3"/>
             <a:r>
-              <a:rPr lang="en-US" smtClean="0"/>
+              <a:rPr lang="en-US"/>
               <a:t>Fourth level</a:t>
             </a:r>
           </a:p>
           <a:p>
             <a:pPr lvl="4"/>
             <a:r>
-              <a:rPr lang="en-US" smtClean="0"/>
+              <a:rPr lang="en-US"/>
               <a:t>Fifth level</a:t>
             </a:r>
-            <a:endParaRPr lang="en-US"/>
           </a:p>
         </p:txBody>
       </p:sp>
@@ -766,7 +762,7 @@
           <a:p>
             <a:fld id="{1CF616E0-08AE-C749-BAF5-2D5EE30B7A15}" type="datetimeFigureOut">
               <a:rPr lang="en-US" smtClean="0"/>
-              <a:t>5/4/18</a:t>
+              <a:t>5/18/18</a:t>
             </a:fld>
             <a:endParaRPr lang="en-US"/>
           </a:p>
@@ -869,10 +865,9 @@
           </a:lstStyle>
           <a:p>
             <a:r>
-              <a:rPr lang="en-US" smtClean="0"/>
+              <a:rPr lang="en-US"/>
               <a:t>Click to edit Master title style</a:t>
             </a:r>
-            <a:endParaRPr lang="en-US"/>
           </a:p>
         </p:txBody>
       </p:sp>
@@ -989,7 +984,7 @@
           <a:p>
             <a:pPr lvl="0"/>
             <a:r>
-              <a:rPr lang="en-US" smtClean="0"/>
+              <a:rPr lang="en-US"/>
               <a:t>Click to edit Master text styles</a:t>
             </a:r>
           </a:p>
@@ -1012,7 +1007,7 @@
           <a:p>
             <a:fld id="{1CF616E0-08AE-C749-BAF5-2D5EE30B7A15}" type="datetimeFigureOut">
               <a:rPr lang="en-US" smtClean="0"/>
-              <a:t>5/4/18</a:t>
+              <a:t>5/18/18</a:t>
             </a:fld>
             <a:endParaRPr lang="en-US"/>
           </a:p>
@@ -1106,10 +1101,9 @@
           <a:lstStyle/>
           <a:p>
             <a:r>
-              <a:rPr lang="en-US" smtClean="0"/>
+              <a:rPr lang="en-US"/>
               <a:t>Click to edit Master title style</a:t>
             </a:r>
-            <a:endParaRPr lang="en-US"/>
           </a:p>
         </p:txBody>
       </p:sp>
@@ -1135,38 +1129,37 @@
           <a:p>
             <a:pPr lvl="0"/>
             <a:r>
-              <a:rPr lang="en-US" smtClean="0"/>
+              <a:rPr lang="en-US"/>
               <a:t>Click to edit Master text styles</a:t>
             </a:r>
           </a:p>
           <a:p>
             <a:pPr lvl="1"/>
             <a:r>
-              <a:rPr lang="en-US" smtClean="0"/>
+              <a:rPr lang="en-US"/>
               <a:t>Second level</a:t>
             </a:r>
           </a:p>
           <a:p>
             <a:pPr lvl="2"/>
             <a:r>
-              <a:rPr lang="en-US" smtClean="0"/>
+              <a:rPr lang="en-US"/>
               <a:t>Third level</a:t>
             </a:r>
           </a:p>
           <a:p>
             <a:pPr lvl="3"/>
             <a:r>
-              <a:rPr lang="en-US" smtClean="0"/>
+              <a:rPr lang="en-US"/>
               <a:t>Fourth level</a:t>
             </a:r>
           </a:p>
           <a:p>
             <a:pPr lvl="4"/>
             <a:r>
-              <a:rPr lang="en-US" smtClean="0"/>
+              <a:rPr lang="en-US"/>
               <a:t>Fifth level</a:t>
             </a:r>
-            <a:endParaRPr lang="en-US"/>
           </a:p>
         </p:txBody>
       </p:sp>
@@ -1192,38 +1185,37 @@
           <a:p>
             <a:pPr lvl="0"/>
             <a:r>
-              <a:rPr lang="en-US" smtClean="0"/>
+              <a:rPr lang="en-US"/>
               <a:t>Click to edit Master text styles</a:t>
             </a:r>
           </a:p>
           <a:p>
             <a:pPr lvl="1"/>
             <a:r>
-              <a:rPr lang="en-US" smtClean="0"/>
+              <a:rPr lang="en-US"/>
               <a:t>Second level</a:t>
             </a:r>
           </a:p>
           <a:p>
             <a:pPr lvl="2"/>
             <a:r>
-              <a:rPr lang="en-US" smtClean="0"/>
+              <a:rPr lang="en-US"/>
               <a:t>Third level</a:t>
             </a:r>
           </a:p>
           <a:p>
             <a:pPr lvl="3"/>
             <a:r>
-              <a:rPr lang="en-US" smtClean="0"/>
+              <a:rPr lang="en-US"/>
               <a:t>Fourth level</a:t>
             </a:r>
           </a:p>
           <a:p>
             <a:pPr lvl="4"/>
             <a:r>
-              <a:rPr lang="en-US" smtClean="0"/>
+              <a:rPr lang="en-US"/>
               <a:t>Fifth level</a:t>
             </a:r>
-            <a:endParaRPr lang="en-US"/>
           </a:p>
         </p:txBody>
       </p:sp>
@@ -1244,7 +1236,7 @@
           <a:p>
             <a:fld id="{1CF616E0-08AE-C749-BAF5-2D5EE30B7A15}" type="datetimeFigureOut">
               <a:rPr lang="en-US" smtClean="0"/>
-              <a:t>5/4/18</a:t>
+              <a:t>5/18/18</a:t>
             </a:fld>
             <a:endParaRPr lang="en-US"/>
           </a:p>
@@ -1343,10 +1335,9 @@
           <a:lstStyle/>
           <a:p>
             <a:r>
-              <a:rPr lang="en-US" smtClean="0"/>
+              <a:rPr lang="en-US"/>
               <a:t>Click to edit Master title style</a:t>
             </a:r>
-            <a:endParaRPr lang="en-US"/>
           </a:p>
         </p:txBody>
       </p:sp>
@@ -1409,7 +1400,7 @@
           <a:p>
             <a:pPr lvl="0"/>
             <a:r>
-              <a:rPr lang="en-US" smtClean="0"/>
+              <a:rPr lang="en-US"/>
               <a:t>Click to edit Master text styles</a:t>
             </a:r>
           </a:p>
@@ -1437,38 +1428,37 @@
           <a:p>
             <a:pPr lvl="0"/>
             <a:r>
-              <a:rPr lang="en-US" smtClean="0"/>
+              <a:rPr lang="en-US"/>
               <a:t>Click to edit Master text styles</a:t>
             </a:r>
           </a:p>
           <a:p>
             <a:pPr lvl="1"/>
             <a:r>
-              <a:rPr lang="en-US" smtClean="0"/>
+              <a:rPr lang="en-US"/>
               <a:t>Second level</a:t>
             </a:r>
           </a:p>
           <a:p>
             <a:pPr lvl="2"/>
             <a:r>
-              <a:rPr lang="en-US" smtClean="0"/>
+              <a:rPr lang="en-US"/>
               <a:t>Third level</a:t>
             </a:r>
           </a:p>
           <a:p>
             <a:pPr lvl="3"/>
             <a:r>
-              <a:rPr lang="en-US" smtClean="0"/>
+              <a:rPr lang="en-US"/>
               <a:t>Fourth level</a:t>
             </a:r>
           </a:p>
           <a:p>
             <a:pPr lvl="4"/>
             <a:r>
-              <a:rPr lang="en-US" smtClean="0"/>
+              <a:rPr lang="en-US"/>
               <a:t>Fifth level</a:t>
             </a:r>
-            <a:endParaRPr lang="en-US"/>
           </a:p>
         </p:txBody>
       </p:sp>
@@ -1531,7 +1521,7 @@
           <a:p>
             <a:pPr lvl="0"/>
             <a:r>
-              <a:rPr lang="en-US" smtClean="0"/>
+              <a:rPr lang="en-US"/>
               <a:t>Click to edit Master text styles</a:t>
             </a:r>
           </a:p>
@@ -1559,38 +1549,37 @@
           <a:p>
             <a:pPr lvl="0"/>
             <a:r>
-              <a:rPr lang="en-US" smtClean="0"/>
+              <a:rPr lang="en-US"/>
               <a:t>Click to edit Master text styles</a:t>
             </a:r>
           </a:p>
           <a:p>
             <a:pPr lvl="1"/>
             <a:r>
-              <a:rPr lang="en-US" smtClean="0"/>
+              <a:rPr lang="en-US"/>
               <a:t>Second level</a:t>
             </a:r>
           </a:p>
           <a:p>
             <a:pPr lvl="2"/>
             <a:r>
-              <a:rPr lang="en-US" smtClean="0"/>
+              <a:rPr lang="en-US"/>
               <a:t>Third level</a:t>
             </a:r>
           </a:p>
           <a:p>
             <a:pPr lvl="3"/>
             <a:r>
-              <a:rPr lang="en-US" smtClean="0"/>
+              <a:rPr lang="en-US"/>
               <a:t>Fourth level</a:t>
             </a:r>
           </a:p>
           <a:p>
             <a:pPr lvl="4"/>
             <a:r>
-              <a:rPr lang="en-US" smtClean="0"/>
+              <a:rPr lang="en-US"/>
               <a:t>Fifth level</a:t>
             </a:r>
-            <a:endParaRPr lang="en-US"/>
           </a:p>
         </p:txBody>
       </p:sp>
@@ -1611,7 +1600,7 @@
           <a:p>
             <a:fld id="{1CF616E0-08AE-C749-BAF5-2D5EE30B7A15}" type="datetimeFigureOut">
               <a:rPr lang="en-US" smtClean="0"/>
-              <a:t>5/4/18</a:t>
+              <a:t>5/18/18</a:t>
             </a:fld>
             <a:endParaRPr lang="en-US"/>
           </a:p>
@@ -1705,10 +1694,9 @@
           <a:lstStyle/>
           <a:p>
             <a:r>
-              <a:rPr lang="en-US" smtClean="0"/>
+              <a:rPr lang="en-US"/>
               <a:t>Click to edit Master title style</a:t>
             </a:r>
-            <a:endParaRPr lang="en-US"/>
           </a:p>
         </p:txBody>
       </p:sp>
@@ -1729,7 +1717,7 @@
           <a:p>
             <a:fld id="{1CF616E0-08AE-C749-BAF5-2D5EE30B7A15}" type="datetimeFigureOut">
               <a:rPr lang="en-US" smtClean="0"/>
-              <a:t>5/4/18</a:t>
+              <a:t>5/18/18</a:t>
             </a:fld>
             <a:endParaRPr lang="en-US"/>
           </a:p>
@@ -1824,7 +1812,7 @@
           <a:p>
             <a:fld id="{1CF616E0-08AE-C749-BAF5-2D5EE30B7A15}" type="datetimeFigureOut">
               <a:rPr lang="en-US" smtClean="0"/>
-              <a:t>5/4/18</a:t>
+              <a:t>5/18/18</a:t>
             </a:fld>
             <a:endParaRPr lang="en-US"/>
           </a:p>
@@ -1927,10 +1915,9 @@
           </a:lstStyle>
           <a:p>
             <a:r>
-              <a:rPr lang="en-US" smtClean="0"/>
+              <a:rPr lang="en-US"/>
               <a:t>Click to edit Master title style</a:t>
             </a:r>
-            <a:endParaRPr lang="en-US"/>
           </a:p>
         </p:txBody>
       </p:sp>
@@ -1984,38 +1971,37 @@
           <a:p>
             <a:pPr lvl="0"/>
             <a:r>
-              <a:rPr lang="en-US" smtClean="0"/>
+              <a:rPr lang="en-US"/>
               <a:t>Click to edit Master text styles</a:t>
             </a:r>
           </a:p>
           <a:p>
             <a:pPr lvl="1"/>
             <a:r>
-              <a:rPr lang="en-US" smtClean="0"/>
+              <a:rPr lang="en-US"/>
               <a:t>Second level</a:t>
             </a:r>
           </a:p>
           <a:p>
             <a:pPr lvl="2"/>
             <a:r>
-              <a:rPr lang="en-US" smtClean="0"/>
+              <a:rPr lang="en-US"/>
               <a:t>Third level</a:t>
             </a:r>
           </a:p>
           <a:p>
             <a:pPr lvl="3"/>
             <a:r>
-              <a:rPr lang="en-US" smtClean="0"/>
+              <a:rPr lang="en-US"/>
               <a:t>Fourth level</a:t>
             </a:r>
           </a:p>
           <a:p>
             <a:pPr lvl="4"/>
             <a:r>
-              <a:rPr lang="en-US" smtClean="0"/>
+              <a:rPr lang="en-US"/>
               <a:t>Fifth level</a:t>
             </a:r>
-            <a:endParaRPr lang="en-US"/>
           </a:p>
         </p:txBody>
       </p:sp>
@@ -2078,7 +2064,7 @@
           <a:p>
             <a:pPr lvl="0"/>
             <a:r>
-              <a:rPr lang="en-US" smtClean="0"/>
+              <a:rPr lang="en-US"/>
               <a:t>Click to edit Master text styles</a:t>
             </a:r>
           </a:p>
@@ -2101,7 +2087,7 @@
           <a:p>
             <a:fld id="{1CF616E0-08AE-C749-BAF5-2D5EE30B7A15}" type="datetimeFigureOut">
               <a:rPr lang="en-US" smtClean="0"/>
-              <a:t>5/4/18</a:t>
+              <a:t>5/18/18</a:t>
             </a:fld>
             <a:endParaRPr lang="en-US"/>
           </a:p>
@@ -2204,10 +2190,9 @@
           </a:lstStyle>
           <a:p>
             <a:r>
-              <a:rPr lang="en-US" smtClean="0"/>
+              <a:rPr lang="en-US"/>
               <a:t>Click to edit Master title style</a:t>
             </a:r>
-            <a:endParaRPr lang="en-US"/>
           </a:p>
         </p:txBody>
       </p:sp>
@@ -2331,7 +2316,7 @@
           <a:p>
             <a:pPr lvl="0"/>
             <a:r>
-              <a:rPr lang="en-US" smtClean="0"/>
+              <a:rPr lang="en-US"/>
               <a:t>Click to edit Master text styles</a:t>
             </a:r>
           </a:p>
@@ -2354,7 +2339,7 @@
           <a:p>
             <a:fld id="{1CF616E0-08AE-C749-BAF5-2D5EE30B7A15}" type="datetimeFigureOut">
               <a:rPr lang="en-US" smtClean="0"/>
-              <a:t>5/4/18</a:t>
+              <a:t>5/18/18</a:t>
             </a:fld>
             <a:endParaRPr lang="en-US"/>
           </a:p>
@@ -2463,10 +2448,9 @@
           <a:lstStyle/>
           <a:p>
             <a:r>
-              <a:rPr lang="en-US" smtClean="0"/>
+              <a:rPr lang="en-US"/>
               <a:t>Click to edit Master title style</a:t>
             </a:r>
-            <a:endParaRPr lang="en-US"/>
           </a:p>
         </p:txBody>
       </p:sp>
@@ -2497,38 +2481,37 @@
           <a:p>
             <a:pPr lvl="0"/>
             <a:r>
-              <a:rPr lang="en-US" smtClean="0"/>
+              <a:rPr lang="en-US"/>
               <a:t>Click to edit Master text styles</a:t>
             </a:r>
           </a:p>
           <a:p>
             <a:pPr lvl="1"/>
             <a:r>
-              <a:rPr lang="en-US" smtClean="0"/>
+              <a:rPr lang="en-US"/>
               <a:t>Second level</a:t>
             </a:r>
           </a:p>
           <a:p>
             <a:pPr lvl="2"/>
             <a:r>
-              <a:rPr lang="en-US" smtClean="0"/>
+              <a:rPr lang="en-US"/>
               <a:t>Third level</a:t>
             </a:r>
           </a:p>
           <a:p>
             <a:pPr lvl="3"/>
             <a:r>
-              <a:rPr lang="en-US" smtClean="0"/>
+              <a:rPr lang="en-US"/>
               <a:t>Fourth level</a:t>
             </a:r>
           </a:p>
           <a:p>
             <a:pPr lvl="4"/>
             <a:r>
-              <a:rPr lang="en-US" smtClean="0"/>
+              <a:rPr lang="en-US"/>
               <a:t>Fifth level</a:t>
             </a:r>
-            <a:endParaRPr lang="en-US"/>
           </a:p>
         </p:txBody>
       </p:sp>
@@ -2567,7 +2550,7 @@
           <a:p>
             <a:fld id="{1CF616E0-08AE-C749-BAF5-2D5EE30B7A15}" type="datetimeFigureOut">
               <a:rPr lang="en-US" smtClean="0"/>
-              <a:t>5/4/18</a:t>
+              <a:t>5/18/18</a:t>
             </a:fld>
             <a:endParaRPr lang="en-US"/>
           </a:p>
@@ -2993,29 +2976,24 @@
           <a:lstStyle/>
           <a:p>
             <a:r>
-              <a:rPr lang="en-US" dirty="0" smtClean="0"/>
+              <a:rPr lang="en-US" dirty="0"/>
               <a:t>Crescendo </a:t>
             </a:r>
             <a:br>
-              <a:rPr lang="en-US" dirty="0" smtClean="0"/>
+              <a:rPr lang="en-US" dirty="0"/>
             </a:br>
             <a:r>
-              <a:rPr lang="en-US" sz="1800" i="1" dirty="0" smtClean="0"/>
+              <a:rPr lang="en-US" sz="1800" i="1" dirty="0"/>
               <a:t>/</a:t>
             </a:r>
             <a:r>
-              <a:rPr lang="en-US" sz="1800" i="1" dirty="0" err="1" smtClean="0"/>
-              <a:t>krə</a:t>
-            </a:r>
-            <a:r>
               <a:rPr lang="en-US" sz="1800" i="1" dirty="0" err="1"/>
-              <a:t>ˈSHenˌdō</a:t>
-            </a:r>
-            <a:r>
-              <a:rPr lang="en-US" sz="1800" i="1" dirty="0" smtClean="0"/>
+              <a:t>krəˈSHenˌdō</a:t>
+            </a:r>
+            <a:r>
+              <a:rPr lang="en-US" sz="1800" i="1" dirty="0"/>
               <a:t>/ </a:t>
             </a:r>
-            <a:endParaRPr lang="en-US" sz="1800" i="1" dirty="0"/>
           </a:p>
         </p:txBody>
       </p:sp>
@@ -3042,51 +3020,43 @@
           <a:lstStyle/>
           <a:p>
             <a:r>
-              <a:rPr lang="en-US" dirty="0" smtClean="0"/>
-              <a:t>Franco </a:t>
-            </a:r>
-            <a:r>
               <a:rPr lang="en-US" dirty="0"/>
-              <a:t>R</a:t>
-            </a:r>
-            <a:r>
-              <a:rPr lang="en-US" dirty="0" smtClean="0"/>
-              <a:t>ivera</a:t>
-            </a:r>
-          </a:p>
-          <a:p>
-            <a:r>
-              <a:rPr lang="en-US" dirty="0" smtClean="0"/>
+              <a:t>Franco Rivera</a:t>
+            </a:r>
+          </a:p>
+          <a:p>
+            <a:r>
+              <a:rPr lang="en-US" dirty="0"/>
               <a:t>Diego </a:t>
             </a:r>
             <a:r>
-              <a:rPr lang="en-US" dirty="0" err="1" smtClean="0"/>
+              <a:rPr lang="en-US" dirty="0" err="1"/>
               <a:t>Jara</a:t>
             </a:r>
-            <a:endParaRPr lang="en-US" dirty="0" smtClean="0"/>
-          </a:p>
-          <a:p>
-            <a:r>
-              <a:rPr lang="en-US" dirty="0" smtClean="0"/>
+            <a:endParaRPr lang="en-US" dirty="0"/>
+          </a:p>
+          <a:p>
+            <a:r>
+              <a:rPr lang="en-US" dirty="0"/>
               <a:t>Oscar medina</a:t>
             </a:r>
           </a:p>
           <a:p>
             <a:r>
-              <a:rPr lang="en-US" dirty="0" smtClean="0"/>
+              <a:rPr lang="en-US" dirty="0"/>
               <a:t>Kevin or</a:t>
             </a:r>
             <a:r>
-              <a:rPr lang="es-ES" dirty="0" smtClean="0"/>
+              <a:rPr lang="es-ES" dirty="0"/>
               <a:t>é</a:t>
             </a:r>
           </a:p>
           <a:p>
             <a:r>
-              <a:rPr lang="es-ES" dirty="0" smtClean="0"/>
+              <a:rPr lang="es-ES" dirty="0"/>
               <a:t>Roosevelt Pantaleón</a:t>
             </a:r>
-            <a:endParaRPr lang="en-US" dirty="0" smtClean="0"/>
+            <a:endParaRPr lang="en-US" dirty="0"/>
           </a:p>
         </p:txBody>
       </p:sp>
@@ -3166,10 +3136,9 @@
           <a:lstStyle/>
           <a:p>
             <a:r>
-              <a:rPr lang="en-US" dirty="0" smtClean="0"/>
+              <a:rPr lang="en-US" dirty="0"/>
               <a:t>Crescendo</a:t>
             </a:r>
-            <a:endParaRPr lang="en-US" dirty="0"/>
           </a:p>
         </p:txBody>
       </p:sp>
@@ -3189,11 +3158,11 @@
           <a:lstStyle/>
           <a:p>
             <a:r>
-              <a:rPr lang="en-US" dirty="0" err="1" smtClean="0"/>
+              <a:rPr lang="en-US" dirty="0" err="1"/>
               <a:t>Definicion</a:t>
             </a:r>
             <a:r>
-              <a:rPr lang="en-US" dirty="0" smtClean="0"/>
+              <a:rPr lang="en-US" dirty="0"/>
               <a:t>:</a:t>
             </a:r>
           </a:p>
@@ -3239,7 +3208,7 @@
               <a:t>aumento</a:t>
             </a:r>
             <a:r>
-              <a:rPr lang="en-US" dirty="0" smtClean="0"/>
+              <a:rPr lang="en-US" dirty="0"/>
               <a:t>.</a:t>
             </a:r>
           </a:p>
@@ -3294,7 +3263,7 @@
           <a:lstStyle/>
           <a:p>
             <a:r>
-              <a:rPr lang="en-US" dirty="0" err="1" smtClean="0"/>
+              <a:rPr lang="en-US" dirty="0" err="1"/>
               <a:t>Requerimientos</a:t>
             </a:r>
             <a:endParaRPr lang="en-US" dirty="0"/>
@@ -3366,7 +3335,7 @@
           <a:lstStyle/>
           <a:p>
             <a:r>
-              <a:rPr lang="en-US" dirty="0" err="1" smtClean="0"/>
+              <a:rPr lang="en-US" dirty="0" err="1"/>
               <a:t>Actores</a:t>
             </a:r>
             <a:endParaRPr lang="en-US" dirty="0"/>
@@ -3406,74 +3375,6 @@
 </file>
 
 <file path=ppt/slides/slide5.xml><?xml version="1.0" encoding="utf-8"?>
-<p:sld xmlns:a="http://schemas.openxmlformats.org/drawingml/2006/main" xmlns:r="http://schemas.openxmlformats.org/officeDocument/2006/relationships" xmlns:p="http://schemas.openxmlformats.org/presentationml/2006/main">
-  <p:cSld>
-    <p:spTree>
-      <p:nvGrpSpPr>
-        <p:cNvPr id="1" name=""/>
-        <p:cNvGrpSpPr/>
-        <p:nvPr/>
-      </p:nvGrpSpPr>
-      <p:grpSpPr>
-        <a:xfrm>
-          <a:off x="0" y="0"/>
-          <a:ext cx="0" cy="0"/>
-          <a:chOff x="0" y="0"/>
-          <a:chExt cx="0" cy="0"/>
-        </a:xfrm>
-      </p:grpSpPr>
-      <p:sp>
-        <p:nvSpPr>
-          <p:cNvPr id="2" name="Title 1"/>
-          <p:cNvSpPr>
-            <a:spLocks noGrp="1"/>
-          </p:cNvSpPr>
-          <p:nvPr>
-            <p:ph type="title"/>
-          </p:nvPr>
-        </p:nvSpPr>
-        <p:spPr/>
-        <p:txBody>
-          <a:bodyPr/>
-          <a:lstStyle/>
-          <a:p>
-            <a:endParaRPr lang="en-US"/>
-          </a:p>
-        </p:txBody>
-      </p:sp>
-      <p:sp>
-        <p:nvSpPr>
-          <p:cNvPr id="5" name="Content Placeholder 4"/>
-          <p:cNvSpPr>
-            <a:spLocks noGrp="1"/>
-          </p:cNvSpPr>
-          <p:nvPr>
-            <p:ph idx="1"/>
-          </p:nvPr>
-        </p:nvSpPr>
-        <p:spPr/>
-        <p:txBody>
-          <a:bodyPr/>
-          <a:lstStyle/>
-          <a:p>
-            <a:endParaRPr lang="en-US"/>
-          </a:p>
-        </p:txBody>
-      </p:sp>
-    </p:spTree>
-    <p:extLst>
-      <p:ext uri="{BB962C8B-B14F-4D97-AF65-F5344CB8AC3E}">
-        <p14:creationId xmlns:p14="http://schemas.microsoft.com/office/powerpoint/2010/main" val="750012796"/>
-      </p:ext>
-    </p:extLst>
-  </p:cSld>
-  <p:clrMapOvr>
-    <a:masterClrMapping/>
-  </p:clrMapOvr>
-</p:sld>
-</file>
-
-<file path=ppt/slides/slide6.xml><?xml version="1.0" encoding="utf-8"?>
 <p:sld xmlns:a="http://schemas.openxmlformats.org/drawingml/2006/main" xmlns:r="http://schemas.openxmlformats.org/officeDocument/2006/relationships" xmlns:p="http://schemas.openxmlformats.org/presentationml/2006/main">
   <p:cSld>
     <p:spTree>
@@ -3571,6 +3472,88 @@
 </p:sld>
 </file>
 
+<file path=ppt/slides/slide6.xml><?xml version="1.0" encoding="utf-8"?>
+<p:sld xmlns:a="http://schemas.openxmlformats.org/drawingml/2006/main" xmlns:r="http://schemas.openxmlformats.org/officeDocument/2006/relationships" xmlns:p="http://schemas.openxmlformats.org/presentationml/2006/main">
+  <p:cSld>
+    <p:spTree>
+      <p:nvGrpSpPr>
+        <p:cNvPr id="1" name=""/>
+        <p:cNvGrpSpPr/>
+        <p:nvPr/>
+      </p:nvGrpSpPr>
+      <p:grpSpPr>
+        <a:xfrm>
+          <a:off x="0" y="0"/>
+          <a:ext cx="0" cy="0"/>
+          <a:chOff x="0" y="0"/>
+          <a:chExt cx="0" cy="0"/>
+        </a:xfrm>
+      </p:grpSpPr>
+      <p:sp>
+        <p:nvSpPr>
+          <p:cNvPr id="2" name="Title 1"/>
+          <p:cNvSpPr>
+            <a:spLocks noGrp="1"/>
+          </p:cNvSpPr>
+          <p:nvPr>
+            <p:ph type="title"/>
+          </p:nvPr>
+        </p:nvSpPr>
+        <p:spPr/>
+        <p:txBody>
+          <a:bodyPr/>
+          <a:lstStyle/>
+          <a:p>
+            <a:r>
+              <a:rPr lang="en-US" dirty="0"/>
+              <a:t>User Task Matrix</a:t>
+            </a:r>
+          </a:p>
+        </p:txBody>
+      </p:sp>
+      <p:pic>
+        <p:nvPicPr>
+          <p:cNvPr id="16" name="Picture 15">
+            <a:extLst>
+              <a:ext uri="{FF2B5EF4-FFF2-40B4-BE49-F238E27FC236}">
+                <a16:creationId xmlns:a16="http://schemas.microsoft.com/office/drawing/2014/main" id="{181693B0-44D7-D449-A12B-8B5B77F09656}"/>
+              </a:ext>
+            </a:extLst>
+          </p:cNvPr>
+          <p:cNvPicPr>
+            <a:picLocks noChangeAspect="1"/>
+          </p:cNvPicPr>
+          <p:nvPr/>
+        </p:nvPicPr>
+        <p:blipFill>
+          <a:blip r:embed="rId2"/>
+          <a:stretch>
+            <a:fillRect/>
+          </a:stretch>
+        </p:blipFill>
+        <p:spPr>
+          <a:xfrm>
+            <a:off x="838200" y="2632552"/>
+            <a:ext cx="9497438" cy="3064344"/>
+          </a:xfrm>
+          <a:prstGeom prst="rect">
+            <a:avLst/>
+          </a:prstGeom>
+        </p:spPr>
+      </p:pic>
+    </p:spTree>
+    <p:extLst>
+      <p:ext uri="{BB962C8B-B14F-4D97-AF65-F5344CB8AC3E}">
+        <p14:creationId xmlns:p14="http://schemas.microsoft.com/office/powerpoint/2010/main" val="1158913944"/>
+      </p:ext>
+    </p:extLst>
+  </p:cSld>
+  <p:clrMapOvr>
+    <a:masterClrMapping/>
+  </p:clrMapOvr>
+</p:sld>
+</file>
+
 <file path=ppt/slides/slide7.xml><?xml version="1.0" encoding="utf-8"?>
 <p:sld xmlns:a="http://schemas.openxmlformats.org/drawingml/2006/main" xmlns:r="http://schemas.openxmlformats.org/officeDocument/2006/relationships" xmlns:p="http://schemas.openxmlformats.org/presentationml/2006/main">
   <p:cSld>
@@ -3603,43 +3586,56 @@
           <a:bodyPr/>
           <a:lstStyle/>
           <a:p>
-            <a:endParaRPr lang="en-US"/>
-          </a:p>
-        </p:txBody>
-      </p:sp>
-      <p:pic>
-        <p:nvPicPr>
-          <p:cNvPr id="4" name="Content Placeholder 3"/>
-          <p:cNvPicPr>
-            <a:picLocks noGrp="1" noChangeAspect="1"/>
-          </p:cNvPicPr>
+            <a:r>
+              <a:rPr lang="en-US" dirty="0"/>
+              <a:t>Backend</a:t>
+            </a:r>
+          </a:p>
+        </p:txBody>
+      </p:sp>
+      <p:sp>
+        <p:nvSpPr>
+          <p:cNvPr id="3" name="Content Placeholder 2"/>
+          <p:cNvSpPr>
+            <a:spLocks noGrp="1"/>
+          </p:cNvSpPr>
           <p:nvPr>
             <p:ph idx="1"/>
           </p:nvPr>
-        </p:nvPicPr>
-        <p:blipFill>
-          <a:blip r:embed="rId2">
-            <a:extLst>
-              <a:ext uri="{28A0092B-C50C-407E-A947-70E740481C1C}">
-                <a14:useLocalDpi xmlns:a14="http://schemas.microsoft.com/office/drawing/2010/main" val="0"/>
-              </a:ext>
-            </a:extLst>
-          </a:blip>
-          <a:stretch>
-            <a:fillRect/>
-          </a:stretch>
-        </p:blipFill>
-        <p:spPr>
-          <a:xfrm>
-            <a:off x="1103684" y="1853248"/>
-            <a:ext cx="8947150" cy="3835822"/>
-          </a:xfrm>
-        </p:spPr>
-      </p:pic>
+        </p:nvSpPr>
+        <p:spPr/>
+        <p:txBody>
+          <a:bodyPr/>
+          <a:lstStyle/>
+          <a:p>
+            <a:r>
+              <a:rPr lang="en-US" dirty="0"/>
+              <a:t>Node </a:t>
+            </a:r>
+            <a:r>
+              <a:rPr lang="en-US" dirty="0" err="1"/>
+              <a:t>Js</a:t>
+            </a:r>
+            <a:endParaRPr lang="en-US" dirty="0"/>
+          </a:p>
+          <a:p>
+            <a:r>
+              <a:rPr lang="en-US" dirty="0"/>
+              <a:t>REST API</a:t>
+            </a:r>
+          </a:p>
+          <a:p>
+            <a:endParaRPr lang="en-US" dirty="0"/>
+          </a:p>
+          <a:p>
+            <a:endParaRPr lang="en-US" dirty="0"/>
+          </a:p>
+        </p:txBody>
+      </p:sp>
     </p:spTree>
     <p:extLst>
       <p:ext uri="{BB962C8B-B14F-4D97-AF65-F5344CB8AC3E}">
-        <p14:creationId xmlns:p14="http://schemas.microsoft.com/office/powerpoint/2010/main" val="1158913944"/>
+        <p14:creationId xmlns:p14="http://schemas.microsoft.com/office/powerpoint/2010/main" val="967191536"/>
       </p:ext>
     </p:extLst>
   </p:cSld>
@@ -3682,144 +3678,51 @@
           <a:lstStyle/>
           <a:p>
             <a:r>
-              <a:rPr lang="en-US" dirty="0" smtClean="0"/>
-              <a:t>Backend</a:t>
+              <a:rPr lang="en-US" dirty="0"/>
+              <a:t>Landing Page</a:t>
+            </a:r>
+          </a:p>
+        </p:txBody>
+      </p:sp>
+      <p:sp>
+        <p:nvSpPr>
+          <p:cNvPr id="3" name="Content Placeholder 2"/>
+          <p:cNvSpPr>
+            <a:spLocks noGrp="1"/>
+          </p:cNvSpPr>
+          <p:nvPr>
+            <p:ph idx="1"/>
+          </p:nvPr>
+        </p:nvSpPr>
+        <p:spPr/>
+        <p:txBody>
+          <a:bodyPr/>
+          <a:lstStyle/>
+          <a:p>
+            <a:r>
+              <a:rPr lang="en-US" dirty="0"/>
+              <a:t>Node </a:t>
+            </a:r>
+            <a:r>
+              <a:rPr lang="en-US" dirty="0" err="1"/>
+              <a:t>Js</a:t>
             </a:r>
             <a:endParaRPr lang="en-US" dirty="0"/>
           </a:p>
-        </p:txBody>
-      </p:sp>
-      <p:sp>
-        <p:nvSpPr>
-          <p:cNvPr id="3" name="Content Placeholder 2"/>
-          <p:cNvSpPr>
-            <a:spLocks noGrp="1"/>
-          </p:cNvSpPr>
-          <p:nvPr>
-            <p:ph idx="1"/>
-          </p:nvPr>
-        </p:nvSpPr>
-        <p:spPr/>
-        <p:txBody>
-          <a:bodyPr/>
-          <a:lstStyle/>
-          <a:p>
-            <a:r>
-              <a:rPr lang="en-US" dirty="0" smtClean="0"/>
-              <a:t>Node </a:t>
-            </a:r>
-            <a:r>
-              <a:rPr lang="en-US" dirty="0" err="1" smtClean="0"/>
-              <a:t>Js</a:t>
-            </a:r>
-            <a:endParaRPr lang="en-US" dirty="0" smtClean="0"/>
-          </a:p>
-          <a:p>
-            <a:r>
-              <a:rPr lang="en-US" dirty="0" smtClean="0"/>
-              <a:t>REST API</a:t>
-            </a:r>
-          </a:p>
-          <a:p>
-            <a:endParaRPr lang="en-US" dirty="0" smtClean="0"/>
-          </a:p>
-          <a:p>
+          <a:p>
+            <a:r>
+              <a:rPr lang="en-US" dirty="0" err="1"/>
+              <a:t>Vue</a:t>
+            </a:r>
+            <a:r>
+              <a:rPr lang="en-US" dirty="0"/>
+              <a:t> </a:t>
+            </a:r>
+            <a:r>
+              <a:rPr lang="en-US" dirty="0" err="1"/>
+              <a:t>js</a:t>
+            </a:r>
             <a:endParaRPr lang="en-US" dirty="0"/>
-          </a:p>
-        </p:txBody>
-      </p:sp>
-    </p:spTree>
-    <p:extLst>
-      <p:ext uri="{BB962C8B-B14F-4D97-AF65-F5344CB8AC3E}">
-        <p14:creationId xmlns:p14="http://schemas.microsoft.com/office/powerpoint/2010/main" val="967191536"/>
-      </p:ext>
-    </p:extLst>
-  </p:cSld>
-  <p:clrMapOvr>
-    <a:masterClrMapping/>
-  </p:clrMapOvr>
-</p:sld>
-</file>
-
-<file path=ppt/slides/slide9.xml><?xml version="1.0" encoding="utf-8"?>
-<p:sld xmlns:a="http://schemas.openxmlformats.org/drawingml/2006/main" xmlns:r="http://schemas.openxmlformats.org/officeDocument/2006/relationships" xmlns:p="http://schemas.openxmlformats.org/presentationml/2006/main">
-  <p:cSld>
-    <p:spTree>
-      <p:nvGrpSpPr>
-        <p:cNvPr id="1" name=""/>
-        <p:cNvGrpSpPr/>
-        <p:nvPr/>
-      </p:nvGrpSpPr>
-      <p:grpSpPr>
-        <a:xfrm>
-          <a:off x="0" y="0"/>
-          <a:ext cx="0" cy="0"/>
-          <a:chOff x="0" y="0"/>
-          <a:chExt cx="0" cy="0"/>
-        </a:xfrm>
-      </p:grpSpPr>
-      <p:sp>
-        <p:nvSpPr>
-          <p:cNvPr id="2" name="Title 1"/>
-          <p:cNvSpPr>
-            <a:spLocks noGrp="1"/>
-          </p:cNvSpPr>
-          <p:nvPr>
-            <p:ph type="title"/>
-          </p:nvPr>
-        </p:nvSpPr>
-        <p:spPr/>
-        <p:txBody>
-          <a:bodyPr/>
-          <a:lstStyle/>
-          <a:p>
-            <a:r>
-              <a:rPr lang="en-US" dirty="0" smtClean="0"/>
-              <a:t>Landing Page</a:t>
-            </a:r>
-            <a:endParaRPr lang="en-US" dirty="0"/>
-          </a:p>
-        </p:txBody>
-      </p:sp>
-      <p:sp>
-        <p:nvSpPr>
-          <p:cNvPr id="3" name="Content Placeholder 2"/>
-          <p:cNvSpPr>
-            <a:spLocks noGrp="1"/>
-          </p:cNvSpPr>
-          <p:nvPr>
-            <p:ph idx="1"/>
-          </p:nvPr>
-        </p:nvSpPr>
-        <p:spPr/>
-        <p:txBody>
-          <a:bodyPr/>
-          <a:lstStyle/>
-          <a:p>
-            <a:r>
-              <a:rPr lang="en-US" dirty="0" smtClean="0"/>
-              <a:t>Node </a:t>
-            </a:r>
-            <a:r>
-              <a:rPr lang="en-US" dirty="0" err="1" smtClean="0"/>
-              <a:t>Js</a:t>
-            </a:r>
-            <a:endParaRPr lang="en-US" dirty="0" smtClean="0"/>
-          </a:p>
-          <a:p>
-            <a:r>
-              <a:rPr lang="en-US" dirty="0" err="1" smtClean="0"/>
-              <a:t>Vue</a:t>
-            </a:r>
-            <a:r>
-              <a:rPr lang="en-US" dirty="0" smtClean="0"/>
-              <a:t> </a:t>
-            </a:r>
-            <a:r>
-              <a:rPr lang="en-US" dirty="0" err="1" smtClean="0"/>
-              <a:t>js</a:t>
-            </a:r>
-            <a:endParaRPr lang="en-US" dirty="0" smtClean="0"/>
           </a:p>
           <a:p>
             <a:endParaRPr lang="en-US" dirty="0"/>
